--- a/Documents/Mobile_Programming_Term_Project_Final.pptx
+++ b/Documents/Mobile_Programming_Term_Project_Final.pptx
@@ -4075,7 +4075,7 @@
                 </a:solidFill>
                 <a:latin typeface="Abadi" panose="020B0604020104020204" pitchFamily="34" charset="0"/>
               </a:rPr>
-              <a:t>15146311 Jun, </a:t>
+              <a:t>15146311 Nam, </a:t>
             </a:r>
             <a:r>
               <a:rPr lang="en-US" altLang="ko-KR" sz="1400" dirty="0" err="1">
@@ -4084,7 +4084,7 @@
                 </a:solidFill>
                 <a:latin typeface="Abadi" panose="020B0604020104020204" pitchFamily="34" charset="0"/>
               </a:rPr>
-              <a:t>Nyeongnam</a:t>
+              <a:t>Junneong</a:t>
             </a:r>
             <a:endParaRPr lang="en-US" altLang="ko-KR" sz="1400" dirty="0">
               <a:solidFill>
